--- a/Research_Project/LHCb Starterkit/Practice Talk-Search for ALPs.pptx
+++ b/Research_Project/LHCb Starterkit/Practice Talk-Search for ALPs.pptx
@@ -333,7 +333,7 @@
           <a:p>
             <a:fld id="{FFA50A88-3729-483A-B413-96EC9DB7E9B8}" type="datetimeFigureOut">
               <a:rPr lang="en-AU" smtClean="0"/>
-              <a:t>18/10/2022</a:t>
+              <a:t>16/11/2022</a:t>
             </a:fld>
             <a:endParaRPr lang="en-AU"/>
           </a:p>
@@ -3278,7 +3278,7 @@
           <a:p>
             <a:fld id="{92EAFA44-4D8F-40F6-81B4-7A52BA71204B}" type="datetime1">
               <a:rPr lang="en-AU" smtClean="0"/>
-              <a:t>18/10/2022</a:t>
+              <a:t>16/11/2022</a:t>
             </a:fld>
             <a:endParaRPr lang="en-AU"/>
           </a:p>
@@ -3448,7 +3448,7 @@
           <a:p>
             <a:fld id="{675B011B-E254-4D96-8071-AEC76F55794E}" type="datetime1">
               <a:rPr lang="en-AU" smtClean="0"/>
-              <a:t>18/10/2022</a:t>
+              <a:t>16/11/2022</a:t>
             </a:fld>
             <a:endParaRPr lang="en-AU"/>
           </a:p>
@@ -3628,7 +3628,7 @@
           <a:p>
             <a:fld id="{73E3C22F-AA41-4D85-8DB9-CA01840AA818}" type="datetime1">
               <a:rPr lang="en-AU" smtClean="0"/>
-              <a:t>18/10/2022</a:t>
+              <a:t>16/11/2022</a:t>
             </a:fld>
             <a:endParaRPr lang="en-AU"/>
           </a:p>
@@ -3798,7 +3798,7 @@
           <a:p>
             <a:fld id="{AD196622-5D17-419F-A002-30A133CAABFE}" type="datetime1">
               <a:rPr lang="en-AU" smtClean="0"/>
-              <a:t>18/10/2022</a:t>
+              <a:t>16/11/2022</a:t>
             </a:fld>
             <a:endParaRPr lang="en-AU"/>
           </a:p>
@@ -4044,7 +4044,7 @@
           <a:p>
             <a:fld id="{D47FC52E-FCDD-48CE-B43F-D85D41059FEE}" type="datetime1">
               <a:rPr lang="en-AU" smtClean="0"/>
-              <a:t>18/10/2022</a:t>
+              <a:t>16/11/2022</a:t>
             </a:fld>
             <a:endParaRPr lang="en-AU"/>
           </a:p>
@@ -4276,7 +4276,7 @@
           <a:p>
             <a:fld id="{ABCB24ED-F48D-4865-BDDA-1D0CDA46120D}" type="datetime1">
               <a:rPr lang="en-AU" smtClean="0"/>
-              <a:t>18/10/2022</a:t>
+              <a:t>16/11/2022</a:t>
             </a:fld>
             <a:endParaRPr lang="en-AU"/>
           </a:p>
@@ -4643,7 +4643,7 @@
           <a:p>
             <a:fld id="{9466449D-49BC-4B18-8605-D215A7AB3787}" type="datetime1">
               <a:rPr lang="en-AU" smtClean="0"/>
-              <a:t>18/10/2022</a:t>
+              <a:t>16/11/2022</a:t>
             </a:fld>
             <a:endParaRPr lang="en-AU"/>
           </a:p>
@@ -4761,7 +4761,7 @@
           <a:p>
             <a:fld id="{558FCC48-9C1B-4747-847E-92E2A3AEC945}" type="datetime1">
               <a:rPr lang="en-AU" smtClean="0"/>
-              <a:t>18/10/2022</a:t>
+              <a:t>16/11/2022</a:t>
             </a:fld>
             <a:endParaRPr lang="en-AU"/>
           </a:p>
@@ -4856,7 +4856,7 @@
           <a:p>
             <a:fld id="{0C2BE226-9B7F-48F6-89C8-F9F40DB69F46}" type="datetime1">
               <a:rPr lang="en-AU" smtClean="0"/>
-              <a:t>18/10/2022</a:t>
+              <a:t>16/11/2022</a:t>
             </a:fld>
             <a:endParaRPr lang="en-AU"/>
           </a:p>
@@ -5133,7 +5133,7 @@
           <a:p>
             <a:fld id="{E6857A7C-C1B0-4410-A4AB-21E013A3BCCE}" type="datetime1">
               <a:rPr lang="en-AU" smtClean="0"/>
-              <a:t>18/10/2022</a:t>
+              <a:t>16/11/2022</a:t>
             </a:fld>
             <a:endParaRPr lang="en-AU"/>
           </a:p>
@@ -5390,7 +5390,7 @@
           <a:p>
             <a:fld id="{3E45C93C-565A-4EBF-8AB8-00E7D2F290EE}" type="datetime1">
               <a:rPr lang="en-AU" smtClean="0"/>
-              <a:t>18/10/2022</a:t>
+              <a:t>16/11/2022</a:t>
             </a:fld>
             <a:endParaRPr lang="en-AU"/>
           </a:p>
@@ -5603,7 +5603,7 @@
           <a:p>
             <a:fld id="{2241588C-AF4F-45C4-9372-F9132EEE4B42}" type="datetime1">
               <a:rPr lang="en-AU" smtClean="0"/>
-              <a:t>18/10/2022</a:t>
+              <a:t>16/11/2022</a:t>
             </a:fld>
             <a:endParaRPr lang="en-AU"/>
           </a:p>
@@ -6483,8 +6483,8 @@
           </a:p>
         </p:txBody>
       </p:sp>
-      <mc:AlternateContent xmlns:mc="http://schemas.openxmlformats.org/markup-compatibility/2006">
-        <mc:Choice xmlns:a14="http://schemas.microsoft.com/office/drawing/2010/main" Requires="a14">
+      <mc:AlternateContent xmlns:mc="http://schemas.openxmlformats.org/markup-compatibility/2006" xmlns:a14="http://schemas.microsoft.com/office/drawing/2010/main">
+        <mc:Choice Requires="a14">
           <p:sp>
             <p:nvSpPr>
               <p:cNvPr id="6" name="TextBox 5">
@@ -6566,7 +6566,7 @@
             </p:txBody>
           </p:sp>
         </mc:Choice>
-        <mc:Fallback>
+        <mc:Fallback xmlns="">
           <p:sp>
             <p:nvSpPr>
               <p:cNvPr id="6" name="TextBox 5">
@@ -17151,7 +17151,7 @@
         </p:nvSpPr>
         <p:spPr>
           <a:xfrm>
-            <a:off x="636716" y="6001476"/>
+            <a:off x="643467" y="5988867"/>
             <a:ext cx="9602278" cy="369332"/>
           </a:xfrm>
           <a:prstGeom prst="rect">

--- a/Research_Project/LHCb Starterkit/Practice Talk-Search for ALPs.pptx
+++ b/Research_Project/LHCb Starterkit/Practice Talk-Search for ALPs.pptx
@@ -333,7 +333,7 @@
           <a:p>
             <a:fld id="{FFA50A88-3729-483A-B413-96EC9DB7E9B8}" type="datetimeFigureOut">
               <a:rPr lang="en-AU" smtClean="0"/>
-              <a:t>16/11/2022</a:t>
+              <a:t>1/12/2022</a:t>
             </a:fld>
             <a:endParaRPr lang="en-AU"/>
           </a:p>
@@ -2944,7 +2944,13 @@
                           <a:rPr lang="en-AU" b="0" i="1" smtClean="0">
                             <a:latin typeface="Cambria Math" panose="02040503050406030204" pitchFamily="18" charset="0"/>
                           </a:rPr>
-                          <m:t>∗0</m:t>
+                          <m:t>∗</m:t>
+                        </m:r>
+                        <m:r>
+                          <a:rPr lang="en-AU" b="0" i="1" smtClean="0">
+                            <a:latin typeface="Cambria Math" panose="02040503050406030204" pitchFamily="18" charset="0"/>
+                          </a:rPr>
+                          <m:t>0</m:t>
                         </m:r>
                       </m:sup>
                     </m:sSup>
@@ -3278,7 +3284,7 @@
           <a:p>
             <a:fld id="{92EAFA44-4D8F-40F6-81B4-7A52BA71204B}" type="datetime1">
               <a:rPr lang="en-AU" smtClean="0"/>
-              <a:t>16/11/2022</a:t>
+              <a:t>1/12/2022</a:t>
             </a:fld>
             <a:endParaRPr lang="en-AU"/>
           </a:p>
@@ -3448,7 +3454,7 @@
           <a:p>
             <a:fld id="{675B011B-E254-4D96-8071-AEC76F55794E}" type="datetime1">
               <a:rPr lang="en-AU" smtClean="0"/>
-              <a:t>16/11/2022</a:t>
+              <a:t>1/12/2022</a:t>
             </a:fld>
             <a:endParaRPr lang="en-AU"/>
           </a:p>
@@ -3628,7 +3634,7 @@
           <a:p>
             <a:fld id="{73E3C22F-AA41-4D85-8DB9-CA01840AA818}" type="datetime1">
               <a:rPr lang="en-AU" smtClean="0"/>
-              <a:t>16/11/2022</a:t>
+              <a:t>1/12/2022</a:t>
             </a:fld>
             <a:endParaRPr lang="en-AU"/>
           </a:p>
@@ -3798,7 +3804,7 @@
           <a:p>
             <a:fld id="{AD196622-5D17-419F-A002-30A133CAABFE}" type="datetime1">
               <a:rPr lang="en-AU" smtClean="0"/>
-              <a:t>16/11/2022</a:t>
+              <a:t>1/12/2022</a:t>
             </a:fld>
             <a:endParaRPr lang="en-AU"/>
           </a:p>
@@ -4044,7 +4050,7 @@
           <a:p>
             <a:fld id="{D47FC52E-FCDD-48CE-B43F-D85D41059FEE}" type="datetime1">
               <a:rPr lang="en-AU" smtClean="0"/>
-              <a:t>16/11/2022</a:t>
+              <a:t>1/12/2022</a:t>
             </a:fld>
             <a:endParaRPr lang="en-AU"/>
           </a:p>
@@ -4276,7 +4282,7 @@
           <a:p>
             <a:fld id="{ABCB24ED-F48D-4865-BDDA-1D0CDA46120D}" type="datetime1">
               <a:rPr lang="en-AU" smtClean="0"/>
-              <a:t>16/11/2022</a:t>
+              <a:t>1/12/2022</a:t>
             </a:fld>
             <a:endParaRPr lang="en-AU"/>
           </a:p>
@@ -4643,7 +4649,7 @@
           <a:p>
             <a:fld id="{9466449D-49BC-4B18-8605-D215A7AB3787}" type="datetime1">
               <a:rPr lang="en-AU" smtClean="0"/>
-              <a:t>16/11/2022</a:t>
+              <a:t>1/12/2022</a:t>
             </a:fld>
             <a:endParaRPr lang="en-AU"/>
           </a:p>
@@ -4761,7 +4767,7 @@
           <a:p>
             <a:fld id="{558FCC48-9C1B-4747-847E-92E2A3AEC945}" type="datetime1">
               <a:rPr lang="en-AU" smtClean="0"/>
-              <a:t>16/11/2022</a:t>
+              <a:t>1/12/2022</a:t>
             </a:fld>
             <a:endParaRPr lang="en-AU"/>
           </a:p>
@@ -4856,7 +4862,7 @@
           <a:p>
             <a:fld id="{0C2BE226-9B7F-48F6-89C8-F9F40DB69F46}" type="datetime1">
               <a:rPr lang="en-AU" smtClean="0"/>
-              <a:t>16/11/2022</a:t>
+              <a:t>1/12/2022</a:t>
             </a:fld>
             <a:endParaRPr lang="en-AU"/>
           </a:p>
@@ -5133,7 +5139,7 @@
           <a:p>
             <a:fld id="{E6857A7C-C1B0-4410-A4AB-21E013A3BCCE}" type="datetime1">
               <a:rPr lang="en-AU" smtClean="0"/>
-              <a:t>16/11/2022</a:t>
+              <a:t>1/12/2022</a:t>
             </a:fld>
             <a:endParaRPr lang="en-AU"/>
           </a:p>
@@ -5390,7 +5396,7 @@
           <a:p>
             <a:fld id="{3E45C93C-565A-4EBF-8AB8-00E7D2F290EE}" type="datetime1">
               <a:rPr lang="en-AU" smtClean="0"/>
-              <a:t>16/11/2022</a:t>
+              <a:t>1/12/2022</a:t>
             </a:fld>
             <a:endParaRPr lang="en-AU"/>
           </a:p>
@@ -5603,7 +5609,7 @@
           <a:p>
             <a:fld id="{2241588C-AF4F-45C4-9372-F9132EEE4B42}" type="datetime1">
               <a:rPr lang="en-AU" smtClean="0"/>
-              <a:t>16/11/2022</a:t>
+              <a:t>1/12/2022</a:t>
             </a:fld>
             <a:endParaRPr lang="en-AU"/>
           </a:p>
@@ -11664,7 +11670,13 @@
                       <a:rPr lang="en-AU" b="1" i="1" smtClean="0">
                         <a:latin typeface="Cambria Math" panose="02040503050406030204" pitchFamily="18" charset="0"/>
                       </a:rPr>
-                      <m:t>ℏ=</m:t>
+                      <m:t>ℏ</m:t>
+                    </m:r>
+                    <m:r>
+                      <a:rPr lang="en-AU" b="1" i="1" smtClean="0">
+                        <a:latin typeface="Cambria Math" panose="02040503050406030204" pitchFamily="18" charset="0"/>
+                      </a:rPr>
+                      <m:t>=</m:t>
                     </m:r>
                     <m:r>
                       <a:rPr lang="en-AU" b="1" i="1" smtClean="0">
